--- a/Angular signals.pptx
+++ b/Angular signals.pptx
@@ -13598,10 +13598,20 @@
               <a:t>documentation</a:t>
             </a:r>
             <a:r>
+              <a:rPr lang="pl-PL" dirty="0"/>
+              <a:t>: </a:t>
+            </a:r>
+            <a:br>
+              <a:rPr lang="pl-PL" dirty="0"/>
+            </a:br>
+            <a:r>
               <a:rPr lang="pl-PL"/>
-              <a:t>: https://angular.dev/guide/signals</a:t>
-            </a:r>
-            <a:endParaRPr lang="pl-PL" dirty="0"/>
+              <a:t>https://angular.dev/guide/signals</a:t>
+            </a:r>
+            <a:r>
+              <a:rPr lang="pl-PL" dirty="0"/>
+              <a:t> </a:t>
+            </a:r>
           </a:p>
         </p:txBody>
       </p:sp>
@@ -15426,36 +15436,6 @@
           </a:p>
         </p:txBody>
       </p:sp>
-      <p:pic>
-        <p:nvPicPr>
-          <p:cNvPr id="6" name="Picture 5">
-            <a:extLst>
-              <a:ext uri="{FF2B5EF4-FFF2-40B4-BE49-F238E27FC236}">
-                <a16:creationId xmlns:a16="http://schemas.microsoft.com/office/drawing/2014/main" id="{515015D4-D46E-A8F7-053F-8999EAF623CB}"/>
-              </a:ext>
-            </a:extLst>
-          </p:cNvPr>
-          <p:cNvPicPr>
-            <a:picLocks noChangeAspect="1"/>
-          </p:cNvPicPr>
-          <p:nvPr/>
-        </p:nvPicPr>
-        <p:blipFill>
-          <a:blip r:embed="rId3"/>
-          <a:stretch>
-            <a:fillRect/>
-          </a:stretch>
-        </p:blipFill>
-        <p:spPr>
-          <a:xfrm>
-            <a:off x="677334" y="2819400"/>
-            <a:ext cx="7439025" cy="866775"/>
-          </a:xfrm>
-          <a:prstGeom prst="rect">
-            <a:avLst/>
-          </a:prstGeom>
-        </p:spPr>
-      </p:pic>
       <p:sp>
         <p:nvSpPr>
           <p:cNvPr id="5" name="TextBox 4">
@@ -16010,6 +15990,36 @@
           </a:p>
         </p:txBody>
       </p:sp>
+      <p:pic>
+        <p:nvPicPr>
+          <p:cNvPr id="7" name="Picture 6">
+            <a:extLst>
+              <a:ext uri="{FF2B5EF4-FFF2-40B4-BE49-F238E27FC236}">
+                <a16:creationId xmlns:a16="http://schemas.microsoft.com/office/drawing/2014/main" id="{E96B2600-E14F-F9E9-E00D-6CE15AC0147B}"/>
+              </a:ext>
+            </a:extLst>
+          </p:cNvPr>
+          <p:cNvPicPr>
+            <a:picLocks noChangeAspect="1"/>
+          </p:cNvPicPr>
+          <p:nvPr/>
+        </p:nvPicPr>
+        <p:blipFill>
+          <a:blip r:embed="rId3"/>
+          <a:stretch>
+            <a:fillRect/>
+          </a:stretch>
+        </p:blipFill>
+        <p:spPr>
+          <a:xfrm>
+            <a:off x="677334" y="2976562"/>
+            <a:ext cx="6581775" cy="904875"/>
+          </a:xfrm>
+          <a:prstGeom prst="rect">
+            <a:avLst/>
+          </a:prstGeom>
+        </p:spPr>
+      </p:pic>
     </p:spTree>
     <p:extLst>
       <p:ext uri="{BB962C8B-B14F-4D97-AF65-F5344CB8AC3E}">
